--- a/pptx_presentations/plotsJuneDynamic/MX_plotsJuneDynamic.pptx
+++ b/pptx_presentations/plotsJuneDynamic/MX_plotsJuneDynamic.pptx
@@ -3244,7 +3244,7 @@
                 </a:solidFill>
                 <a:latin typeface="Roboto"/>
               </a:rPr>
-              <a:t>Prior P2 vs New P1 - </a:t>
+              <a:t>Previous P2 vs New P1 - </a:t>
             </a:r>
           </a:p>
         </p:txBody>
@@ -3685,7 +3685,7 @@
                 </a:solidFill>
                 <a:latin typeface="Roboto"/>
               </a:rPr>
-              <a:t>Prior P5 vs New P5 - </a:t>
+              <a:t>Previous P5 vs New P5 - </a:t>
             </a:r>
           </a:p>
         </p:txBody>
@@ -4126,7 +4126,7 @@
                 </a:solidFill>
                 <a:latin typeface="Roboto"/>
               </a:rPr>
-              <a:t>Prior P5 vs New P5 - </a:t>
+              <a:t>Previous P5 vs New P5 - </a:t>
             </a:r>
           </a:p>
         </p:txBody>
@@ -4385,11 +4385,11 @@
             <a:r>
               <a:rPr sz="1080" b="1">
                 <a:solidFill>
-                  <a:srgbClr val="CC0000"/>
-                </a:solidFill>
-                <a:latin typeface="Roboto"/>
-              </a:rPr>
-              <a:t> a worse tendency</a:t>
+                  <a:srgbClr val="7FA96C"/>
+                </a:solidFill>
+                <a:latin typeface="Roboto"/>
+              </a:rPr>
+              <a:t> a better tendency</a:t>
             </a:r>
             <a:r>
               <a:rPr sz="1080" b="0">
@@ -4567,7 +4567,7 @@
                 </a:solidFill>
                 <a:latin typeface="Roboto"/>
               </a:rPr>
-              <a:t>Prior P5 vs New P5 - </a:t>
+              <a:t>Previous P5 vs New P5 - </a:t>
             </a:r>
           </a:p>
         </p:txBody>
@@ -4893,7 +4893,7 @@
                 </a:solidFill>
                 <a:latin typeface="Roboto"/>
               </a:rPr>
-              <a:t>Prior P2 vs New P1 - </a:t>
+              <a:t>Previous P2 vs New P1 - </a:t>
             </a:r>
           </a:p>
         </p:txBody>
@@ -5152,11 +5152,11 @@
             <a:r>
               <a:rPr sz="1080" b="1">
                 <a:solidFill>
-                  <a:srgbClr val="CC0000"/>
-                </a:solidFill>
-                <a:latin typeface="Roboto"/>
-              </a:rPr>
-              <a:t> a worse tendency</a:t>
+                  <a:srgbClr val="7FA96C"/>
+                </a:solidFill>
+                <a:latin typeface="Roboto"/>
+              </a:rPr>
+              <a:t> a better tendency</a:t>
             </a:r>
             <a:r>
               <a:rPr sz="1080" b="0">
@@ -5334,7 +5334,7 @@
                 </a:solidFill>
                 <a:latin typeface="Roboto"/>
               </a:rPr>
-              <a:t>Prior P2 vs New P1 - </a:t>
+              <a:t>Previous P2 vs New P1 - </a:t>
             </a:r>
           </a:p>
         </p:txBody>
@@ -5660,7 +5660,7 @@
                 </a:solidFill>
                 <a:latin typeface="Roboto"/>
               </a:rPr>
-              <a:t>Prior P3 vs New P2 - </a:t>
+              <a:t>Previous P3 vs New P2 - </a:t>
             </a:r>
           </a:p>
         </p:txBody>
@@ -6101,7 +6101,7 @@
                 </a:solidFill>
                 <a:latin typeface="Roboto"/>
               </a:rPr>
-              <a:t>Prior P3 vs New P2 - </a:t>
+              <a:t>Previous P3 vs New P2 - </a:t>
             </a:r>
           </a:p>
         </p:txBody>
@@ -6360,11 +6360,11 @@
             <a:r>
               <a:rPr sz="1080" b="1">
                 <a:solidFill>
-                  <a:srgbClr val="CC0000"/>
-                </a:solidFill>
-                <a:latin typeface="Roboto"/>
-              </a:rPr>
-              <a:t> a worse tendency</a:t>
+                  <a:srgbClr val="7FA96C"/>
+                </a:solidFill>
+                <a:latin typeface="Roboto"/>
+              </a:rPr>
+              <a:t> a better tendency</a:t>
             </a:r>
             <a:r>
               <a:rPr sz="1080" b="0">
@@ -6542,7 +6542,7 @@
                 </a:solidFill>
                 <a:latin typeface="Roboto"/>
               </a:rPr>
-              <a:t>Prior P3 vs New P2 - </a:t>
+              <a:t>Previous P3 vs New P2 - </a:t>
             </a:r>
           </a:p>
         </p:txBody>
@@ -6868,7 +6868,7 @@
                 </a:solidFill>
                 <a:latin typeface="Roboto"/>
               </a:rPr>
-              <a:t>Prior P4 vs New P4 - </a:t>
+              <a:t>Previous P4 vs New P4 - </a:t>
             </a:r>
           </a:p>
         </p:txBody>
@@ -7309,7 +7309,7 @@
                 </a:solidFill>
                 <a:latin typeface="Roboto"/>
               </a:rPr>
-              <a:t>Prior P4 vs New P4 - </a:t>
+              <a:t>Previous P4 vs New P4 - </a:t>
             </a:r>
           </a:p>
         </p:txBody>
@@ -7568,11 +7568,11 @@
             <a:r>
               <a:rPr sz="1080" b="1">
                 <a:solidFill>
-                  <a:srgbClr val="7FA96C"/>
-                </a:solidFill>
-                <a:latin typeface="Roboto"/>
-              </a:rPr>
-              <a:t> a better tendency</a:t>
+                  <a:srgbClr val="CC0000"/>
+                </a:solidFill>
+                <a:latin typeface="Roboto"/>
+              </a:rPr>
+              <a:t> a worse tendency</a:t>
             </a:r>
             <a:r>
               <a:rPr sz="1080" b="0">
@@ -7750,7 +7750,7 @@
                 </a:solidFill>
                 <a:latin typeface="Roboto"/>
               </a:rPr>
-              <a:t>Prior P4 vs New P4 - </a:t>
+              <a:t>Previous P4 vs New P4 - </a:t>
             </a:r>
           </a:p>
         </p:txBody>

--- a/pptx_presentations/plotsJuneDynamic/MX_plotsJuneDynamic.pptx
+++ b/pptx_presentations/plotsJuneDynamic/MX_plotsJuneDynamic.pptx
@@ -17,6 +17,9 @@
     <p:sldId id="265" r:id="rId16"/>
     <p:sldId id="266" r:id="rId17"/>
     <p:sldId id="267" r:id="rId18"/>
+    <p:sldId id="268" r:id="rId19"/>
+    <p:sldId id="269" r:id="rId20"/>
+    <p:sldId id="270" r:id="rId21"/>
   </p:sldIdLst>
   <p:sldSz cx="13258800" cy="6858000" type="screen4x3"/>
   <p:notesSz cx="6858000" cy="9144000"/>
@@ -3244,7 +3247,7 @@
                 </a:solidFill>
                 <a:latin typeface="Roboto"/>
               </a:rPr>
-              <a:t>Previous P2 vs New P1 - </a:t>
+              <a:t>Priority 1 (New Rs) - </a:t>
             </a:r>
           </a:p>
         </p:txBody>
@@ -3304,26 +3307,7 @@
                 </a:solidFill>
                 <a:latin typeface="Roboto"/>
               </a:rPr>
-              <a:t>- The new priority has</a:t>
-            </a:r>
-            <a:r>
-              <a:rPr sz="1080" b="1">
-                <a:solidFill>
-                  <a:srgbClr val="7FA96C"/>
-                </a:solidFill>
-                <a:latin typeface="Roboto"/>
-              </a:rPr>
-              <a:t> a better tendency</a:t>
-            </a:r>
-            <a:r>
-              <a:rPr sz="1080" b="0">
-                <a:solidFill>
-                  <a:srgbClr val="000000"/>
-                </a:solidFill>
-                <a:latin typeface="Roboto"/>
-              </a:rPr>
-              <a:t> than the old one over the last 3 months (0.78% &gt; -2.13%)
-- The last 3 months mean of the old priority is 13.18 and the new priority is 16.26</a:t>
+              <a:t>Media de los últimos 4 meses: 2.93</a:t>
             </a:r>
           </a:p>
         </p:txBody>
@@ -3419,26 +3403,7 @@
                 </a:solidFill>
                 <a:latin typeface="Roboto"/>
               </a:rPr>
-              <a:t>- The new priority has</a:t>
-            </a:r>
-            <a:r>
-              <a:rPr sz="1080" b="1">
-                <a:solidFill>
-                  <a:srgbClr val="7FA96C"/>
-                </a:solidFill>
-                <a:latin typeface="Roboto"/>
-              </a:rPr>
-              <a:t> a better tendency</a:t>
-            </a:r>
-            <a:r>
-              <a:rPr sz="1080" b="0">
-                <a:solidFill>
-                  <a:srgbClr val="000000"/>
-                </a:solidFill>
-                <a:latin typeface="Roboto"/>
-              </a:rPr>
-              <a:t> than the old one over the last 3 months (1.33 &gt; 1.11 percentage points)
-- The last 3 months mean of the old priority is 25.13% and the new priority is 26.52%</a:t>
+              <a:t>Media de los últimos 4 meses: 0.01</a:t>
             </a:r>
           </a:p>
         </p:txBody>
@@ -3498,26 +3463,7 @@
                 </a:solidFill>
                 <a:latin typeface="Roboto"/>
               </a:rPr>
-              <a:t>- The new priority has</a:t>
-            </a:r>
-            <a:r>
-              <a:rPr sz="1080" b="1">
-                <a:solidFill>
-                  <a:srgbClr val="7FA96C"/>
-                </a:solidFill>
-                <a:latin typeface="Roboto"/>
-              </a:rPr>
-              <a:t> a better tendency</a:t>
-            </a:r>
-            <a:r>
-              <a:rPr sz="1080" b="0">
-                <a:solidFill>
-                  <a:srgbClr val="000000"/>
-                </a:solidFill>
-                <a:latin typeface="Roboto"/>
-              </a:rPr>
-              <a:t> than the old one over the last 3 months (0.02 &gt; -0.0 percentage points)
-- The last 3 months mean of the old priority is 1.63% and the new priority is 1.78%</a:t>
+              <a:t>Example text</a:t>
             </a:r>
           </a:p>
         </p:txBody>
@@ -3685,7 +3631,7 @@
                 </a:solidFill>
                 <a:latin typeface="Roboto"/>
               </a:rPr>
-              <a:t>Previous P5 vs New P5 - </a:t>
+              <a:t>Priority 4 - </a:t>
             </a:r>
           </a:p>
         </p:txBody>
@@ -3745,26 +3691,7 @@
                 </a:solidFill>
                 <a:latin typeface="Roboto"/>
               </a:rPr>
-              <a:t>- The new priority has</a:t>
-            </a:r>
-            <a:r>
-              <a:rPr sz="1080" b="1">
-                <a:solidFill>
-                  <a:srgbClr val="7FA96C"/>
-                </a:solidFill>
-                <a:latin typeface="Roboto"/>
-              </a:rPr>
-              <a:t> a better tendency</a:t>
-            </a:r>
-            <a:r>
-              <a:rPr sz="1080" b="0">
-                <a:solidFill>
-                  <a:srgbClr val="000000"/>
-                </a:solidFill>
-                <a:latin typeface="Roboto"/>
-              </a:rPr>
-              <a:t> than the old one over the last 3 months (23.01% &gt; -23.36%)
-- The last 3 months mean of the old priority is 0.57 and the new priority is 0.74</a:t>
+              <a:t>Media de los últimos 4 meses: 3.07</a:t>
             </a:r>
           </a:p>
         </p:txBody>
@@ -3860,26 +3787,7 @@
                 </a:solidFill>
                 <a:latin typeface="Roboto"/>
               </a:rPr>
-              <a:t>- The new priority has</a:t>
-            </a:r>
-            <a:r>
-              <a:rPr sz="1080" b="1">
-                <a:solidFill>
-                  <a:srgbClr val="7FA96C"/>
-                </a:solidFill>
-                <a:latin typeface="Roboto"/>
-              </a:rPr>
-              <a:t> a better tendency</a:t>
-            </a:r>
-            <a:r>
-              <a:rPr sz="1080" b="0">
-                <a:solidFill>
-                  <a:srgbClr val="000000"/>
-                </a:solidFill>
-                <a:latin typeface="Roboto"/>
-              </a:rPr>
-              <a:t> than the old one over the last 3 months (-1.76 &gt; -3.29 percentage points)
-- The last 3 months mean of the old priority is 12.31% and the new priority is 12.21%</a:t>
+              <a:t>Media de los últimos 4 meses: 0.01</a:t>
             </a:r>
           </a:p>
         </p:txBody>
@@ -3939,26 +3847,7 @@
                 </a:solidFill>
                 <a:latin typeface="Roboto"/>
               </a:rPr>
-              <a:t>- The new priority has</a:t>
-            </a:r>
-            <a:r>
-              <a:rPr sz="1080" b="1">
-                <a:solidFill>
-                  <a:srgbClr val="7FA96C"/>
-                </a:solidFill>
-                <a:latin typeface="Roboto"/>
-              </a:rPr>
-              <a:t> a better tendency</a:t>
-            </a:r>
-            <a:r>
-              <a:rPr sz="1080" b="0">
-                <a:solidFill>
-                  <a:srgbClr val="000000"/>
-                </a:solidFill>
-                <a:latin typeface="Roboto"/>
-              </a:rPr>
-              <a:t> than the old one over the last 3 months (0.01 &gt; -0.07 percentage points)
-- The last 3 months mean of the old priority is 0.17% and the new priority is 0.2%</a:t>
+              <a:t>Example text</a:t>
             </a:r>
           </a:p>
         </p:txBody>
@@ -4058,7 +3947,7 @@
                 </a:solidFill>
                 <a:latin typeface="Roboto"/>
               </a:rPr>
-              <a:t>SERVICE</a:t>
+              <a:t>MIXED</a:t>
             </a:r>
           </a:p>
         </p:txBody>
@@ -4126,7 +4015,7 @@
                 </a:solidFill>
                 <a:latin typeface="Roboto"/>
               </a:rPr>
-              <a:t>Previous P5 vs New P5 - </a:t>
+              <a:t>Priority 4 - </a:t>
             </a:r>
           </a:p>
         </p:txBody>
@@ -4186,26 +4075,7 @@
                 </a:solidFill>
                 <a:latin typeface="Roboto"/>
               </a:rPr>
-              <a:t>- The new priority has</a:t>
-            </a:r>
-            <a:r>
-              <a:rPr sz="1080" b="1">
-                <a:solidFill>
-                  <a:srgbClr val="7FA96C"/>
-                </a:solidFill>
-                <a:latin typeface="Roboto"/>
-              </a:rPr>
-              <a:t> a better tendency</a:t>
-            </a:r>
-            <a:r>
-              <a:rPr sz="1080" b="0">
-                <a:solidFill>
-                  <a:srgbClr val="000000"/>
-                </a:solidFill>
-                <a:latin typeface="Roboto"/>
-              </a:rPr>
-              <a:t> than the old one over the last 3 months (-0.84 &lt; 1.51 percentage points)
-- The last 3 months mean of the old priority is 8.19% and the new priority is 7.15%</a:t>
+              <a:t>Media de los últimos 4 meses: 7782.75</a:t>
             </a:r>
           </a:p>
         </p:txBody>
@@ -4301,26 +4171,7 @@
                 </a:solidFill>
                 <a:latin typeface="Roboto"/>
               </a:rPr>
-              <a:t>- The new priority has</a:t>
-            </a:r>
-            <a:r>
-              <a:rPr sz="1080" b="1">
-                <a:solidFill>
-                  <a:srgbClr val="7FA96C"/>
-                </a:solidFill>
-                <a:latin typeface="Roboto"/>
-              </a:rPr>
-              <a:t> a better tendency</a:t>
-            </a:r>
-            <a:r>
-              <a:rPr sz="1080" b="0">
-                <a:solidFill>
-                  <a:srgbClr val="000000"/>
-                </a:solidFill>
-                <a:latin typeface="Roboto"/>
-              </a:rPr>
-              <a:t> than the old one over the last 3 months (-0.2 &lt; 0.08 percentage points)
-- The last 3 months mean of the old priority is 2.3% and the new priority is 2.16%</a:t>
+              <a:t>Media de los últimos 4 meses: 23872.91</a:t>
             </a:r>
           </a:p>
         </p:txBody>
@@ -4380,26 +4231,7 @@
                 </a:solidFill>
                 <a:latin typeface="Roboto"/>
               </a:rPr>
-              <a:t>- The new priority has</a:t>
-            </a:r>
-            <a:r>
-              <a:rPr sz="1080" b="1">
-                <a:solidFill>
-                  <a:srgbClr val="7FA96C"/>
-                </a:solidFill>
-                <a:latin typeface="Roboto"/>
-              </a:rPr>
-              <a:t> a better tendency</a:t>
-            </a:r>
-            <a:r>
-              <a:rPr sz="1080" b="0">
-                <a:solidFill>
-                  <a:srgbClr val="000000"/>
-                </a:solidFill>
-                <a:latin typeface="Roboto"/>
-              </a:rPr>
-              <a:t> than the old one over the last 3 months (-0.42 &lt; -0.1 percentage points)
-- The last 3 months mean of the old priority is 2.52% and the new priority is 2.34%</a:t>
+              <a:t>Example text</a:t>
             </a:r>
           </a:p>
         </p:txBody>
@@ -4567,7 +4399,7 @@
                 </a:solidFill>
                 <a:latin typeface="Roboto"/>
               </a:rPr>
-              <a:t>Previous P5 vs New P5 - </a:t>
+              <a:t>Priority 4 - </a:t>
             </a:r>
           </a:p>
         </p:txBody>
@@ -4627,26 +4459,7 @@
                 </a:solidFill>
                 <a:latin typeface="Roboto"/>
               </a:rPr>
-              <a:t>- The new priority has</a:t>
-            </a:r>
-            <a:r>
-              <a:rPr sz="1080" b="1">
-                <a:solidFill>
-                  <a:srgbClr val="CC0000"/>
-                </a:solidFill>
-                <a:latin typeface="Roboto"/>
-              </a:rPr>
-              <a:t> a worse tendency</a:t>
-            </a:r>
-            <a:r>
-              <a:rPr sz="1080" b="0">
-                <a:solidFill>
-                  <a:srgbClr val="000000"/>
-                </a:solidFill>
-                <a:latin typeface="Roboto"/>
-              </a:rPr>
-              <a:t> than the old one over the last 3 months (-13.28% &lt; -8.12%)
-- The last 3 months mean of the old priority is 8953.98 and the new priority is 7792.84</a:t>
+              <a:t>Example text</a:t>
             </a:r>
           </a:p>
         </p:txBody>
@@ -4706,17 +4519,227 @@
                 </a:solidFill>
                 <a:latin typeface="Roboto"/>
               </a:rPr>
-              <a:t>- The new priority has</a:t>
-            </a:r>
-            <a:r>
-              <a:rPr sz="1080" b="1">
-                <a:solidFill>
-                  <a:srgbClr val="7FA96C"/>
-                </a:solidFill>
-                <a:latin typeface="Roboto"/>
-              </a:rPr>
-              <a:t> a better tendency</a:t>
-            </a:r>
+              <a:t>Example text</a:t>
+            </a:r>
+          </a:p>
+        </p:txBody>
+      </p:sp>
+    </p:spTree>
+  </p:cSld>
+  <p:clrMapOvr>
+    <a:masterClrMapping/>
+  </p:clrMapOvr>
+</p:sld>
+</file>
+
+<file path=ppt/slides/slide13.xml><?xml version="1.0" encoding="utf-8"?>
+<p:sld xmlns:a="http://schemas.openxmlformats.org/drawingml/2006/main" xmlns:p="http://schemas.openxmlformats.org/presentationml/2006/main" xmlns:r="http://schemas.openxmlformats.org/officeDocument/2006/relationships">
+  <p:cSld>
+    <p:spTree>
+      <p:nvGrpSpPr>
+        <p:cNvPr id="1" name=""/>
+        <p:cNvGrpSpPr/>
+        <p:nvPr/>
+      </p:nvGrpSpPr>
+      <p:grpSpPr/>
+      <p:pic>
+        <p:nvPicPr>
+          <p:cNvPr id="2" name="Picture 1" descr="MX.png"/>
+          <p:cNvPicPr>
+            <a:picLocks noChangeAspect="1"/>
+          </p:cNvPicPr>
+          <p:nvPr/>
+        </p:nvPicPr>
+        <p:blipFill>
+          <a:blip r:embed="rId2"/>
+          <a:stretch>
+            <a:fillRect/>
+          </a:stretch>
+        </p:blipFill>
+        <p:spPr>
+          <a:xfrm>
+            <a:off x="457200" y="91440"/>
+            <a:ext cx="685800" cy="685800"/>
+          </a:xfrm>
+          <a:prstGeom prst="rect">
+            <a:avLst/>
+          </a:prstGeom>
+        </p:spPr>
+      </p:pic>
+      <p:pic>
+        <p:nvPicPr>
+          <p:cNvPr id="3" name="Picture 2" descr="didi.png"/>
+          <p:cNvPicPr>
+            <a:picLocks noChangeAspect="1"/>
+          </p:cNvPicPr>
+          <p:nvPr/>
+        </p:nvPicPr>
+        <p:blipFill>
+          <a:blip r:embed="rId3"/>
+          <a:stretch>
+            <a:fillRect/>
+          </a:stretch>
+        </p:blipFill>
+        <p:spPr>
+          <a:xfrm>
+            <a:off x="11887200" y="9144"/>
+            <a:ext cx="1371600" cy="771525"/>
+          </a:xfrm>
+          <a:prstGeom prst="rect">
+            <a:avLst/>
+          </a:prstGeom>
+        </p:spPr>
+      </p:pic>
+      <p:sp>
+        <p:nvSpPr>
+          <p:cNvPr id="4" name="TextBox 3"/>
+          <p:cNvSpPr txBox="1"/>
+          <p:nvPr/>
+        </p:nvSpPr>
+        <p:spPr>
+          <a:xfrm>
+            <a:off x="1188720" y="91440"/>
+            <a:ext cx="9784080" cy="685800"/>
+          </a:xfrm>
+          <a:prstGeom prst="rect">
+            <a:avLst/>
+          </a:prstGeom>
+          <a:noFill/>
+        </p:spPr>
+        <p:txBody>
+          <a:bodyPr wrap="square" anchor="ctr">
+            <a:noAutofit/>
+          </a:bodyPr>
+          <a:lstStyle/>
+          <a:p>
+            <a:r>
+              <a:rPr sz="3600" b="1">
+                <a:solidFill>
+                  <a:srgbClr val="FC4C02"/>
+                </a:solidFill>
+                <a:latin typeface="Roboto"/>
+              </a:rPr>
+              <a:t>PERFORMANCE</a:t>
+            </a:r>
+          </a:p>
+        </p:txBody>
+      </p:sp>
+      <p:sp>
+        <p:nvSpPr>
+          <p:cNvPr id="5" name="TextBox 4"/>
+          <p:cNvSpPr txBox="1"/>
+          <p:nvPr/>
+        </p:nvSpPr>
+        <p:spPr>
+          <a:xfrm>
+            <a:off x="457200" y="777240"/>
+            <a:ext cx="12801600" cy="457200"/>
+          </a:xfrm>
+          <a:prstGeom prst="rect">
+            <a:avLst/>
+          </a:prstGeom>
+          <a:noFill/>
+        </p:spPr>
+        <p:txBody>
+          <a:bodyPr wrap="square" anchor="ctr">
+            <a:noAutofit/>
+          </a:bodyPr>
+          <a:lstStyle/>
+          <a:p>
+            <a:r>
+              <a:rPr sz="3600" b="1">
+                <a:solidFill>
+                  <a:srgbClr val="000000"/>
+                </a:solidFill>
+                <a:latin typeface="Roboto"/>
+              </a:rPr>
+              <a:t>Action Title</a:t>
+            </a:r>
+          </a:p>
+        </p:txBody>
+      </p:sp>
+      <p:sp>
+        <p:nvSpPr>
+          <p:cNvPr id="6" name="TextBox 5"/>
+          <p:cNvSpPr txBox="1"/>
+          <p:nvPr/>
+        </p:nvSpPr>
+        <p:spPr>
+          <a:xfrm>
+            <a:off x="457200" y="1234440"/>
+            <a:ext cx="12801600" cy="365760"/>
+          </a:xfrm>
+          <a:prstGeom prst="rect">
+            <a:avLst/>
+          </a:prstGeom>
+          <a:noFill/>
+        </p:spPr>
+        <p:txBody>
+          <a:bodyPr wrap="square" anchor="ctr">
+            <a:noAutofit/>
+          </a:bodyPr>
+          <a:lstStyle/>
+          <a:p>
+            <a:r>
+              <a:rPr sz="1800" b="0">
+                <a:solidFill>
+                  <a:srgbClr val="000000"/>
+                </a:solidFill>
+                <a:latin typeface="Roboto"/>
+              </a:rPr>
+              <a:t>Priority 5 - </a:t>
+            </a:r>
+          </a:p>
+        </p:txBody>
+      </p:sp>
+      <p:pic>
+        <p:nvPicPr>
+          <p:cNvPr id="7" name="Picture 6" descr="resized_graph_1_3.png"/>
+          <p:cNvPicPr>
+            <a:picLocks noChangeAspect="1"/>
+          </p:cNvPicPr>
+          <p:nvPr/>
+        </p:nvPicPr>
+        <p:blipFill>
+          <a:blip r:embed="rId4"/>
+          <a:stretch>
+            <a:fillRect/>
+          </a:stretch>
+        </p:blipFill>
+        <p:spPr>
+          <a:xfrm>
+            <a:off x="457200" y="1965960"/>
+            <a:ext cx="4114800" cy="3086100"/>
+          </a:xfrm>
+          <a:prstGeom prst="rect">
+            <a:avLst/>
+          </a:prstGeom>
+        </p:spPr>
+      </p:pic>
+      <p:sp>
+        <p:nvSpPr>
+          <p:cNvPr id="8" name="TextBox 7"/>
+          <p:cNvSpPr txBox="1"/>
+          <p:nvPr/>
+        </p:nvSpPr>
+        <p:spPr>
+          <a:xfrm>
+            <a:off x="457200" y="5326380"/>
+            <a:ext cx="4087368" cy="1348739"/>
+          </a:xfrm>
+          <a:prstGeom prst="rect">
+            <a:avLst/>
+          </a:prstGeom>
+          <a:solidFill>
+            <a:srgbClr val="F2F2F2"/>
+          </a:solidFill>
+        </p:spPr>
+        <p:txBody>
+          <a:bodyPr wrap="square">
+            <a:noAutofit/>
+          </a:bodyPr>
+          <a:lstStyle/>
+          <a:p>
             <a:r>
               <a:rPr sz="1080" b="0">
                 <a:solidFill>
@@ -4724,8 +4747,835 @@
                 </a:solidFill>
                 <a:latin typeface="Roboto"/>
               </a:rPr>
-              <a:t> than the old one over the last 3 months (6.67% &gt; -29.58%)
-- The last 3 months mean of the old priority is 5139.26 and the new priority is 5753.86</a:t>
+              <a:t>Media de los últimos 4 meses: 0.72</a:t>
+            </a:r>
+          </a:p>
+        </p:txBody>
+      </p:sp>
+      <p:sp>
+        <p:nvSpPr>
+          <p:cNvPr id="9" name="TextBox 8"/>
+          <p:cNvSpPr txBox="1"/>
+          <p:nvPr/>
+        </p:nvSpPr>
+        <p:spPr>
+          <a:xfrm>
+            <a:off x="457200" y="5052060"/>
+            <a:ext cx="4087368" cy="274320"/>
+          </a:xfrm>
+          <a:prstGeom prst="rect">
+            <a:avLst/>
+          </a:prstGeom>
+          <a:solidFill>
+            <a:srgbClr val="FC4C02"/>
+          </a:solidFill>
+        </p:spPr>
+        <p:txBody>
+          <a:bodyPr wrap="square" anchor="ctr">
+            <a:noAutofit/>
+          </a:bodyPr>
+          <a:lstStyle/>
+          <a:p>
+            <a:r>
+              <a:rPr sz="1440" b="0">
+                <a:solidFill>
+                  <a:srgbClr val="FFFFFF"/>
+                </a:solidFill>
+                <a:latin typeface="Roboto"/>
+              </a:rPr>
+              <a:t>Insights</a:t>
+            </a:r>
+          </a:p>
+        </p:txBody>
+      </p:sp>
+      <p:pic>
+        <p:nvPicPr>
+          <p:cNvPr id="10" name="Picture 9" descr="resized_graph_2_3.png"/>
+          <p:cNvPicPr>
+            <a:picLocks noChangeAspect="1"/>
+          </p:cNvPicPr>
+          <p:nvPr/>
+        </p:nvPicPr>
+        <p:blipFill>
+          <a:blip r:embed="rId5"/>
+          <a:stretch>
+            <a:fillRect/>
+          </a:stretch>
+        </p:blipFill>
+        <p:spPr>
+          <a:xfrm>
+            <a:off x="4572000" y="1965960"/>
+            <a:ext cx="4114800" cy="3086100"/>
+          </a:xfrm>
+          <a:prstGeom prst="rect">
+            <a:avLst/>
+          </a:prstGeom>
+        </p:spPr>
+      </p:pic>
+      <p:sp>
+        <p:nvSpPr>
+          <p:cNvPr id="11" name="TextBox 10"/>
+          <p:cNvSpPr txBox="1"/>
+          <p:nvPr/>
+        </p:nvSpPr>
+        <p:spPr>
+          <a:xfrm>
+            <a:off x="4572000" y="5326380"/>
+            <a:ext cx="4087368" cy="1348739"/>
+          </a:xfrm>
+          <a:prstGeom prst="rect">
+            <a:avLst/>
+          </a:prstGeom>
+          <a:solidFill>
+            <a:srgbClr val="F2F2F2"/>
+          </a:solidFill>
+        </p:spPr>
+        <p:txBody>
+          <a:bodyPr wrap="square">
+            <a:noAutofit/>
+          </a:bodyPr>
+          <a:lstStyle/>
+          <a:p>
+            <a:r>
+              <a:rPr sz="1080" b="0">
+                <a:solidFill>
+                  <a:srgbClr val="000000"/>
+                </a:solidFill>
+                <a:latin typeface="Roboto"/>
+              </a:rPr>
+              <a:t>Media de los últimos 4 meses: 0.0</a:t>
+            </a:r>
+          </a:p>
+        </p:txBody>
+      </p:sp>
+      <p:pic>
+        <p:nvPicPr>
+          <p:cNvPr id="12" name="Picture 11" descr="resized_graph_3_3.png"/>
+          <p:cNvPicPr>
+            <a:picLocks noChangeAspect="1"/>
+          </p:cNvPicPr>
+          <p:nvPr/>
+        </p:nvPicPr>
+        <p:blipFill>
+          <a:blip r:embed="rId6"/>
+          <a:stretch>
+            <a:fillRect/>
+          </a:stretch>
+        </p:blipFill>
+        <p:spPr>
+          <a:xfrm>
+            <a:off x="8686800" y="1965960"/>
+            <a:ext cx="4114800" cy="3086100"/>
+          </a:xfrm>
+          <a:prstGeom prst="rect">
+            <a:avLst/>
+          </a:prstGeom>
+        </p:spPr>
+      </p:pic>
+      <p:sp>
+        <p:nvSpPr>
+          <p:cNvPr id="13" name="TextBox 12"/>
+          <p:cNvSpPr txBox="1"/>
+          <p:nvPr/>
+        </p:nvSpPr>
+        <p:spPr>
+          <a:xfrm>
+            <a:off x="8686800" y="5326380"/>
+            <a:ext cx="4087368" cy="1348739"/>
+          </a:xfrm>
+          <a:prstGeom prst="rect">
+            <a:avLst/>
+          </a:prstGeom>
+          <a:solidFill>
+            <a:srgbClr val="F2F2F2"/>
+          </a:solidFill>
+        </p:spPr>
+        <p:txBody>
+          <a:bodyPr wrap="square">
+            <a:noAutofit/>
+          </a:bodyPr>
+          <a:lstStyle/>
+          <a:p>
+            <a:r>
+              <a:rPr sz="1080" b="0">
+                <a:solidFill>
+                  <a:srgbClr val="000000"/>
+                </a:solidFill>
+                <a:latin typeface="Roboto"/>
+              </a:rPr>
+              <a:t>Example text</a:t>
+            </a:r>
+          </a:p>
+        </p:txBody>
+      </p:sp>
+    </p:spTree>
+  </p:cSld>
+  <p:clrMapOvr>
+    <a:masterClrMapping/>
+  </p:clrMapOvr>
+</p:sld>
+</file>
+
+<file path=ppt/slides/slide14.xml><?xml version="1.0" encoding="utf-8"?>
+<p:sld xmlns:a="http://schemas.openxmlformats.org/drawingml/2006/main" xmlns:p="http://schemas.openxmlformats.org/presentationml/2006/main" xmlns:r="http://schemas.openxmlformats.org/officeDocument/2006/relationships">
+  <p:cSld>
+    <p:spTree>
+      <p:nvGrpSpPr>
+        <p:cNvPr id="1" name=""/>
+        <p:cNvGrpSpPr/>
+        <p:nvPr/>
+      </p:nvGrpSpPr>
+      <p:grpSpPr/>
+      <p:pic>
+        <p:nvPicPr>
+          <p:cNvPr id="2" name="Picture 1" descr="MX.png"/>
+          <p:cNvPicPr>
+            <a:picLocks noChangeAspect="1"/>
+          </p:cNvPicPr>
+          <p:nvPr/>
+        </p:nvPicPr>
+        <p:blipFill>
+          <a:blip r:embed="rId2"/>
+          <a:stretch>
+            <a:fillRect/>
+          </a:stretch>
+        </p:blipFill>
+        <p:spPr>
+          <a:xfrm>
+            <a:off x="457200" y="91440"/>
+            <a:ext cx="685800" cy="685800"/>
+          </a:xfrm>
+          <a:prstGeom prst="rect">
+            <a:avLst/>
+          </a:prstGeom>
+        </p:spPr>
+      </p:pic>
+      <p:pic>
+        <p:nvPicPr>
+          <p:cNvPr id="3" name="Picture 2" descr="didi.png"/>
+          <p:cNvPicPr>
+            <a:picLocks noChangeAspect="1"/>
+          </p:cNvPicPr>
+          <p:nvPr/>
+        </p:nvPicPr>
+        <p:blipFill>
+          <a:blip r:embed="rId3"/>
+          <a:stretch>
+            <a:fillRect/>
+          </a:stretch>
+        </p:blipFill>
+        <p:spPr>
+          <a:xfrm>
+            <a:off x="11887200" y="9144"/>
+            <a:ext cx="1371600" cy="771525"/>
+          </a:xfrm>
+          <a:prstGeom prst="rect">
+            <a:avLst/>
+          </a:prstGeom>
+        </p:spPr>
+      </p:pic>
+      <p:sp>
+        <p:nvSpPr>
+          <p:cNvPr id="4" name="TextBox 3"/>
+          <p:cNvSpPr txBox="1"/>
+          <p:nvPr/>
+        </p:nvSpPr>
+        <p:spPr>
+          <a:xfrm>
+            <a:off x="1188720" y="91440"/>
+            <a:ext cx="9784080" cy="685800"/>
+          </a:xfrm>
+          <a:prstGeom prst="rect">
+            <a:avLst/>
+          </a:prstGeom>
+          <a:noFill/>
+        </p:spPr>
+        <p:txBody>
+          <a:bodyPr wrap="square" anchor="ctr">
+            <a:noAutofit/>
+          </a:bodyPr>
+          <a:lstStyle/>
+          <a:p>
+            <a:r>
+              <a:rPr sz="3600" b="1">
+                <a:solidFill>
+                  <a:srgbClr val="FC4C02"/>
+                </a:solidFill>
+                <a:latin typeface="Roboto"/>
+              </a:rPr>
+              <a:t>MIXED</a:t>
+            </a:r>
+          </a:p>
+        </p:txBody>
+      </p:sp>
+      <p:sp>
+        <p:nvSpPr>
+          <p:cNvPr id="5" name="TextBox 4"/>
+          <p:cNvSpPr txBox="1"/>
+          <p:nvPr/>
+        </p:nvSpPr>
+        <p:spPr>
+          <a:xfrm>
+            <a:off x="457200" y="777240"/>
+            <a:ext cx="12801600" cy="457200"/>
+          </a:xfrm>
+          <a:prstGeom prst="rect">
+            <a:avLst/>
+          </a:prstGeom>
+          <a:noFill/>
+        </p:spPr>
+        <p:txBody>
+          <a:bodyPr wrap="square" anchor="ctr">
+            <a:noAutofit/>
+          </a:bodyPr>
+          <a:lstStyle/>
+          <a:p>
+            <a:r>
+              <a:rPr sz="3600" b="1">
+                <a:solidFill>
+                  <a:srgbClr val="000000"/>
+                </a:solidFill>
+                <a:latin typeface="Roboto"/>
+              </a:rPr>
+              <a:t>Action Title</a:t>
+            </a:r>
+          </a:p>
+        </p:txBody>
+      </p:sp>
+      <p:sp>
+        <p:nvSpPr>
+          <p:cNvPr id="6" name="TextBox 5"/>
+          <p:cNvSpPr txBox="1"/>
+          <p:nvPr/>
+        </p:nvSpPr>
+        <p:spPr>
+          <a:xfrm>
+            <a:off x="457200" y="1234440"/>
+            <a:ext cx="12801600" cy="365760"/>
+          </a:xfrm>
+          <a:prstGeom prst="rect">
+            <a:avLst/>
+          </a:prstGeom>
+          <a:noFill/>
+        </p:spPr>
+        <p:txBody>
+          <a:bodyPr wrap="square" anchor="ctr">
+            <a:noAutofit/>
+          </a:bodyPr>
+          <a:lstStyle/>
+          <a:p>
+            <a:r>
+              <a:rPr sz="1800" b="0">
+                <a:solidFill>
+                  <a:srgbClr val="000000"/>
+                </a:solidFill>
+                <a:latin typeface="Roboto"/>
+              </a:rPr>
+              <a:t>Priority 5 - </a:t>
+            </a:r>
+          </a:p>
+        </p:txBody>
+      </p:sp>
+      <p:pic>
+        <p:nvPicPr>
+          <p:cNvPr id="7" name="Picture 6" descr="resized_graph_1_3.png"/>
+          <p:cNvPicPr>
+            <a:picLocks noChangeAspect="1"/>
+          </p:cNvPicPr>
+          <p:nvPr/>
+        </p:nvPicPr>
+        <p:blipFill>
+          <a:blip r:embed="rId4"/>
+          <a:stretch>
+            <a:fillRect/>
+          </a:stretch>
+        </p:blipFill>
+        <p:spPr>
+          <a:xfrm>
+            <a:off x="457200" y="1965960"/>
+            <a:ext cx="4114800" cy="3086100"/>
+          </a:xfrm>
+          <a:prstGeom prst="rect">
+            <a:avLst/>
+          </a:prstGeom>
+        </p:spPr>
+      </p:pic>
+      <p:sp>
+        <p:nvSpPr>
+          <p:cNvPr id="8" name="TextBox 7"/>
+          <p:cNvSpPr txBox="1"/>
+          <p:nvPr/>
+        </p:nvSpPr>
+        <p:spPr>
+          <a:xfrm>
+            <a:off x="457200" y="5326380"/>
+            <a:ext cx="4087368" cy="1348739"/>
+          </a:xfrm>
+          <a:prstGeom prst="rect">
+            <a:avLst/>
+          </a:prstGeom>
+          <a:solidFill>
+            <a:srgbClr val="F2F2F2"/>
+          </a:solidFill>
+        </p:spPr>
+        <p:txBody>
+          <a:bodyPr wrap="square">
+            <a:noAutofit/>
+          </a:bodyPr>
+          <a:lstStyle/>
+          <a:p>
+            <a:r>
+              <a:rPr sz="1080" b="0">
+                <a:solidFill>
+                  <a:srgbClr val="000000"/>
+                </a:solidFill>
+                <a:latin typeface="Roboto"/>
+              </a:rPr>
+              <a:t>Media de los últimos 4 meses: 7985.5</a:t>
+            </a:r>
+          </a:p>
+        </p:txBody>
+      </p:sp>
+      <p:sp>
+        <p:nvSpPr>
+          <p:cNvPr id="9" name="TextBox 8"/>
+          <p:cNvSpPr txBox="1"/>
+          <p:nvPr/>
+        </p:nvSpPr>
+        <p:spPr>
+          <a:xfrm>
+            <a:off x="457200" y="5052060"/>
+            <a:ext cx="4087368" cy="274320"/>
+          </a:xfrm>
+          <a:prstGeom prst="rect">
+            <a:avLst/>
+          </a:prstGeom>
+          <a:solidFill>
+            <a:srgbClr val="FC4C02"/>
+          </a:solidFill>
+        </p:spPr>
+        <p:txBody>
+          <a:bodyPr wrap="square" anchor="ctr">
+            <a:noAutofit/>
+          </a:bodyPr>
+          <a:lstStyle/>
+          <a:p>
+            <a:r>
+              <a:rPr sz="1440" b="0">
+                <a:solidFill>
+                  <a:srgbClr val="FFFFFF"/>
+                </a:solidFill>
+                <a:latin typeface="Roboto"/>
+              </a:rPr>
+              <a:t>Insights</a:t>
+            </a:r>
+          </a:p>
+        </p:txBody>
+      </p:sp>
+      <p:pic>
+        <p:nvPicPr>
+          <p:cNvPr id="10" name="Picture 9" descr="resized_graph_2_3.png"/>
+          <p:cNvPicPr>
+            <a:picLocks noChangeAspect="1"/>
+          </p:cNvPicPr>
+          <p:nvPr/>
+        </p:nvPicPr>
+        <p:blipFill>
+          <a:blip r:embed="rId5"/>
+          <a:stretch>
+            <a:fillRect/>
+          </a:stretch>
+        </p:blipFill>
+        <p:spPr>
+          <a:xfrm>
+            <a:off x="4572000" y="1965960"/>
+            <a:ext cx="4114800" cy="3086100"/>
+          </a:xfrm>
+          <a:prstGeom prst="rect">
+            <a:avLst/>
+          </a:prstGeom>
+        </p:spPr>
+      </p:pic>
+      <p:sp>
+        <p:nvSpPr>
+          <p:cNvPr id="11" name="TextBox 10"/>
+          <p:cNvSpPr txBox="1"/>
+          <p:nvPr/>
+        </p:nvSpPr>
+        <p:spPr>
+          <a:xfrm>
+            <a:off x="4572000" y="5326380"/>
+            <a:ext cx="4087368" cy="1348739"/>
+          </a:xfrm>
+          <a:prstGeom prst="rect">
+            <a:avLst/>
+          </a:prstGeom>
+          <a:solidFill>
+            <a:srgbClr val="F2F2F2"/>
+          </a:solidFill>
+        </p:spPr>
+        <p:txBody>
+          <a:bodyPr wrap="square">
+            <a:noAutofit/>
+          </a:bodyPr>
+          <a:lstStyle/>
+          <a:p>
+            <a:r>
+              <a:rPr sz="1080" b="0">
+                <a:solidFill>
+                  <a:srgbClr val="000000"/>
+                </a:solidFill>
+                <a:latin typeface="Roboto"/>
+              </a:rPr>
+              <a:t>Media de los últimos 4 meses: 5706.95</a:t>
+            </a:r>
+          </a:p>
+        </p:txBody>
+      </p:sp>
+      <p:pic>
+        <p:nvPicPr>
+          <p:cNvPr id="12" name="Picture 11" descr="resized_graph_3_3.png"/>
+          <p:cNvPicPr>
+            <a:picLocks noChangeAspect="1"/>
+          </p:cNvPicPr>
+          <p:nvPr/>
+        </p:nvPicPr>
+        <p:blipFill>
+          <a:blip r:embed="rId6"/>
+          <a:stretch>
+            <a:fillRect/>
+          </a:stretch>
+        </p:blipFill>
+        <p:spPr>
+          <a:xfrm>
+            <a:off x="8686800" y="1965960"/>
+            <a:ext cx="4114800" cy="3086100"/>
+          </a:xfrm>
+          <a:prstGeom prst="rect">
+            <a:avLst/>
+          </a:prstGeom>
+        </p:spPr>
+      </p:pic>
+      <p:sp>
+        <p:nvSpPr>
+          <p:cNvPr id="13" name="TextBox 12"/>
+          <p:cNvSpPr txBox="1"/>
+          <p:nvPr/>
+        </p:nvSpPr>
+        <p:spPr>
+          <a:xfrm>
+            <a:off x="8686800" y="5326380"/>
+            <a:ext cx="4087368" cy="1348739"/>
+          </a:xfrm>
+          <a:prstGeom prst="rect">
+            <a:avLst/>
+          </a:prstGeom>
+          <a:solidFill>
+            <a:srgbClr val="F2F2F2"/>
+          </a:solidFill>
+        </p:spPr>
+        <p:txBody>
+          <a:bodyPr wrap="square">
+            <a:noAutofit/>
+          </a:bodyPr>
+          <a:lstStyle/>
+          <a:p>
+            <a:r>
+              <a:rPr sz="1080" b="0">
+                <a:solidFill>
+                  <a:srgbClr val="000000"/>
+                </a:solidFill>
+                <a:latin typeface="Roboto"/>
+              </a:rPr>
+              <a:t>Example text</a:t>
+            </a:r>
+          </a:p>
+        </p:txBody>
+      </p:sp>
+    </p:spTree>
+  </p:cSld>
+  <p:clrMapOvr>
+    <a:masterClrMapping/>
+  </p:clrMapOvr>
+</p:sld>
+</file>
+
+<file path=ppt/slides/slide15.xml><?xml version="1.0" encoding="utf-8"?>
+<p:sld xmlns:a="http://schemas.openxmlformats.org/drawingml/2006/main" xmlns:p="http://schemas.openxmlformats.org/presentationml/2006/main" xmlns:r="http://schemas.openxmlformats.org/officeDocument/2006/relationships">
+  <p:cSld>
+    <p:spTree>
+      <p:nvGrpSpPr>
+        <p:cNvPr id="1" name=""/>
+        <p:cNvGrpSpPr/>
+        <p:nvPr/>
+      </p:nvGrpSpPr>
+      <p:grpSpPr/>
+      <p:pic>
+        <p:nvPicPr>
+          <p:cNvPr id="2" name="Picture 1" descr="MX.png"/>
+          <p:cNvPicPr>
+            <a:picLocks noChangeAspect="1"/>
+          </p:cNvPicPr>
+          <p:nvPr/>
+        </p:nvPicPr>
+        <p:blipFill>
+          <a:blip r:embed="rId2"/>
+          <a:stretch>
+            <a:fillRect/>
+          </a:stretch>
+        </p:blipFill>
+        <p:spPr>
+          <a:xfrm>
+            <a:off x="457200" y="91440"/>
+            <a:ext cx="685800" cy="685800"/>
+          </a:xfrm>
+          <a:prstGeom prst="rect">
+            <a:avLst/>
+          </a:prstGeom>
+        </p:spPr>
+      </p:pic>
+      <p:pic>
+        <p:nvPicPr>
+          <p:cNvPr id="3" name="Picture 2" descr="didi.png"/>
+          <p:cNvPicPr>
+            <a:picLocks noChangeAspect="1"/>
+          </p:cNvPicPr>
+          <p:nvPr/>
+        </p:nvPicPr>
+        <p:blipFill>
+          <a:blip r:embed="rId3"/>
+          <a:stretch>
+            <a:fillRect/>
+          </a:stretch>
+        </p:blipFill>
+        <p:spPr>
+          <a:xfrm>
+            <a:off x="11887200" y="9144"/>
+            <a:ext cx="1371600" cy="771525"/>
+          </a:xfrm>
+          <a:prstGeom prst="rect">
+            <a:avLst/>
+          </a:prstGeom>
+        </p:spPr>
+      </p:pic>
+      <p:sp>
+        <p:nvSpPr>
+          <p:cNvPr id="4" name="TextBox 3"/>
+          <p:cNvSpPr txBox="1"/>
+          <p:nvPr/>
+        </p:nvSpPr>
+        <p:spPr>
+          <a:xfrm>
+            <a:off x="1188720" y="91440"/>
+            <a:ext cx="9784080" cy="685800"/>
+          </a:xfrm>
+          <a:prstGeom prst="rect">
+            <a:avLst/>
+          </a:prstGeom>
+          <a:noFill/>
+        </p:spPr>
+        <p:txBody>
+          <a:bodyPr wrap="square" anchor="ctr">
+            <a:noAutofit/>
+          </a:bodyPr>
+          <a:lstStyle/>
+          <a:p>
+            <a:r>
+              <a:rPr sz="3600" b="1">
+                <a:solidFill>
+                  <a:srgbClr val="FC4C02"/>
+                </a:solidFill>
+                <a:latin typeface="Roboto"/>
+              </a:rPr>
+              <a:t>SERVICE</a:t>
+            </a:r>
+          </a:p>
+        </p:txBody>
+      </p:sp>
+      <p:sp>
+        <p:nvSpPr>
+          <p:cNvPr id="5" name="TextBox 4"/>
+          <p:cNvSpPr txBox="1"/>
+          <p:nvPr/>
+        </p:nvSpPr>
+        <p:spPr>
+          <a:xfrm>
+            <a:off x="457200" y="777240"/>
+            <a:ext cx="12801600" cy="457200"/>
+          </a:xfrm>
+          <a:prstGeom prst="rect">
+            <a:avLst/>
+          </a:prstGeom>
+          <a:noFill/>
+        </p:spPr>
+        <p:txBody>
+          <a:bodyPr wrap="square" anchor="ctr">
+            <a:noAutofit/>
+          </a:bodyPr>
+          <a:lstStyle/>
+          <a:p>
+            <a:r>
+              <a:rPr sz="3600" b="1">
+                <a:solidFill>
+                  <a:srgbClr val="000000"/>
+                </a:solidFill>
+                <a:latin typeface="Roboto"/>
+              </a:rPr>
+              <a:t>Action Title</a:t>
+            </a:r>
+          </a:p>
+        </p:txBody>
+      </p:sp>
+      <p:sp>
+        <p:nvSpPr>
+          <p:cNvPr id="6" name="TextBox 5"/>
+          <p:cNvSpPr txBox="1"/>
+          <p:nvPr/>
+        </p:nvSpPr>
+        <p:spPr>
+          <a:xfrm>
+            <a:off x="457200" y="1234440"/>
+            <a:ext cx="12801600" cy="365760"/>
+          </a:xfrm>
+          <a:prstGeom prst="rect">
+            <a:avLst/>
+          </a:prstGeom>
+          <a:noFill/>
+        </p:spPr>
+        <p:txBody>
+          <a:bodyPr wrap="square" anchor="ctr">
+            <a:noAutofit/>
+          </a:bodyPr>
+          <a:lstStyle/>
+          <a:p>
+            <a:r>
+              <a:rPr sz="1800" b="0">
+                <a:solidFill>
+                  <a:srgbClr val="000000"/>
+                </a:solidFill>
+                <a:latin typeface="Roboto"/>
+              </a:rPr>
+              <a:t>Priority 5 - </a:t>
+            </a:r>
+          </a:p>
+        </p:txBody>
+      </p:sp>
+      <p:pic>
+        <p:nvPicPr>
+          <p:cNvPr id="7" name="Picture 6" descr="resized_graph_1_2.png"/>
+          <p:cNvPicPr>
+            <a:picLocks noChangeAspect="1"/>
+          </p:cNvPicPr>
+          <p:nvPr/>
+        </p:nvPicPr>
+        <p:blipFill>
+          <a:blip r:embed="rId4"/>
+          <a:stretch>
+            <a:fillRect/>
+          </a:stretch>
+        </p:blipFill>
+        <p:spPr>
+          <a:xfrm>
+            <a:off x="1673352" y="1965960"/>
+            <a:ext cx="4114800" cy="3086100"/>
+          </a:xfrm>
+          <a:prstGeom prst="rect">
+            <a:avLst/>
+          </a:prstGeom>
+        </p:spPr>
+      </p:pic>
+      <p:sp>
+        <p:nvSpPr>
+          <p:cNvPr id="8" name="TextBox 7"/>
+          <p:cNvSpPr txBox="1"/>
+          <p:nvPr/>
+        </p:nvSpPr>
+        <p:spPr>
+          <a:xfrm>
+            <a:off x="1673352" y="5326380"/>
+            <a:ext cx="4087368" cy="1348739"/>
+          </a:xfrm>
+          <a:prstGeom prst="rect">
+            <a:avLst/>
+          </a:prstGeom>
+          <a:solidFill>
+            <a:srgbClr val="F2F2F2"/>
+          </a:solidFill>
+        </p:spPr>
+        <p:txBody>
+          <a:bodyPr wrap="square">
+            <a:noAutofit/>
+          </a:bodyPr>
+          <a:lstStyle/>
+          <a:p>
+            <a:r>
+              <a:rPr sz="1080" b="0">
+                <a:solidFill>
+                  <a:srgbClr val="000000"/>
+                </a:solidFill>
+                <a:latin typeface="Roboto"/>
+              </a:rPr>
+              <a:t>Example text</a:t>
+            </a:r>
+          </a:p>
+        </p:txBody>
+      </p:sp>
+      <p:pic>
+        <p:nvPicPr>
+          <p:cNvPr id="9" name="Picture 8" descr="resized_graph_2_2.png"/>
+          <p:cNvPicPr>
+            <a:picLocks noChangeAspect="1"/>
+          </p:cNvPicPr>
+          <p:nvPr/>
+        </p:nvPicPr>
+        <p:blipFill>
+          <a:blip r:embed="rId5"/>
+          <a:stretch>
+            <a:fillRect/>
+          </a:stretch>
+        </p:blipFill>
+        <p:spPr>
+          <a:xfrm>
+            <a:off x="7461504" y="1965960"/>
+            <a:ext cx="4114800" cy="3086100"/>
+          </a:xfrm>
+          <a:prstGeom prst="rect">
+            <a:avLst/>
+          </a:prstGeom>
+        </p:spPr>
+      </p:pic>
+      <p:sp>
+        <p:nvSpPr>
+          <p:cNvPr id="10" name="TextBox 9"/>
+          <p:cNvSpPr txBox="1"/>
+          <p:nvPr/>
+        </p:nvSpPr>
+        <p:spPr>
+          <a:xfrm>
+            <a:off x="7461504" y="5326380"/>
+            <a:ext cx="4087368" cy="1348739"/>
+          </a:xfrm>
+          <a:prstGeom prst="rect">
+            <a:avLst/>
+          </a:prstGeom>
+          <a:solidFill>
+            <a:srgbClr val="F2F2F2"/>
+          </a:solidFill>
+        </p:spPr>
+        <p:txBody>
+          <a:bodyPr wrap="square">
+            <a:noAutofit/>
+          </a:bodyPr>
+          <a:lstStyle/>
+          <a:p>
+            <a:r>
+              <a:rPr sz="1080" b="0">
+                <a:solidFill>
+                  <a:srgbClr val="000000"/>
+                </a:solidFill>
+                <a:latin typeface="Roboto"/>
+              </a:rPr>
+              <a:t>Example text</a:t>
             </a:r>
           </a:p>
         </p:txBody>
@@ -4825,7 +5675,7 @@
                 </a:solidFill>
                 <a:latin typeface="Roboto"/>
               </a:rPr>
-              <a:t>SERVICE</a:t>
+              <a:t>MIXED</a:t>
             </a:r>
           </a:p>
         </p:txBody>
@@ -4893,7 +5743,7 @@
                 </a:solidFill>
                 <a:latin typeface="Roboto"/>
               </a:rPr>
-              <a:t>Previous P2 vs New P1 - </a:t>
+              <a:t>Priority 1 (New Rs) - </a:t>
             </a:r>
           </a:p>
         </p:txBody>
@@ -4953,26 +5803,7 @@
                 </a:solidFill>
                 <a:latin typeface="Roboto"/>
               </a:rPr>
-              <a:t>- The new priority has</a:t>
-            </a:r>
-            <a:r>
-              <a:rPr sz="1080" b="1">
-                <a:solidFill>
-                  <a:srgbClr val="7FA96C"/>
-                </a:solidFill>
-                <a:latin typeface="Roboto"/>
-              </a:rPr>
-              <a:t> a better tendency</a:t>
-            </a:r>
-            <a:r>
-              <a:rPr sz="1080" b="0">
-                <a:solidFill>
-                  <a:srgbClr val="000000"/>
-                </a:solidFill>
-                <a:latin typeface="Roboto"/>
-              </a:rPr>
-              <a:t> than the old one over the last 3 months (-0.04 &lt; 0.03 percentage points)
-- The last 3 months mean of the old priority is 1.01% and the new priority is 0.85%</a:t>
+              <a:t>Media de los últimos 4 meses: 1270.0</a:t>
             </a:r>
           </a:p>
         </p:txBody>
@@ -5068,26 +5899,7 @@
                 </a:solidFill>
                 <a:latin typeface="Roboto"/>
               </a:rPr>
-              <a:t>- The new priority has</a:t>
-            </a:r>
-            <a:r>
-              <a:rPr sz="1080" b="1">
-                <a:solidFill>
-                  <a:srgbClr val="7FA96C"/>
-                </a:solidFill>
-                <a:latin typeface="Roboto"/>
-              </a:rPr>
-              <a:t> a better tendency</a:t>
-            </a:r>
-            <a:r>
-              <a:rPr sz="1080" b="0">
-                <a:solidFill>
-                  <a:srgbClr val="000000"/>
-                </a:solidFill>
-                <a:latin typeface="Roboto"/>
-              </a:rPr>
-              <a:t> than the old one over the last 3 months (-0.01 &lt; 0.01 percentage points)
-- The last 3 months mean of the old priority is 1.65% and the new priority is 1.65%</a:t>
+              <a:t>Media de los últimos 4 meses: 3753.24</a:t>
             </a:r>
           </a:p>
         </p:txBody>
@@ -5147,26 +5959,7 @@
                 </a:solidFill>
                 <a:latin typeface="Roboto"/>
               </a:rPr>
-              <a:t>- The new priority has</a:t>
-            </a:r>
-            <a:r>
-              <a:rPr sz="1080" b="1">
-                <a:solidFill>
-                  <a:srgbClr val="7FA96C"/>
-                </a:solidFill>
-                <a:latin typeface="Roboto"/>
-              </a:rPr>
-              <a:t> a better tendency</a:t>
-            </a:r>
-            <a:r>
-              <a:rPr sz="1080" b="0">
-                <a:solidFill>
-                  <a:srgbClr val="000000"/>
-                </a:solidFill>
-                <a:latin typeface="Roboto"/>
-              </a:rPr>
-              <a:t> than the old one over the last 3 months (-0.15 &lt; -0.12 percentage points)
-- The last 3 months mean of the old priority is 1.9% and the new priority is 1.9%</a:t>
+              <a:t>Example text</a:t>
             </a:r>
           </a:p>
         </p:txBody>
@@ -5334,7 +6127,7 @@
                 </a:solidFill>
                 <a:latin typeface="Roboto"/>
               </a:rPr>
-              <a:t>Previous P2 vs New P1 - </a:t>
+              <a:t>Priority 1 (New Rs) - </a:t>
             </a:r>
           </a:p>
         </p:txBody>
@@ -5394,26 +6187,7 @@
                 </a:solidFill>
                 <a:latin typeface="Roboto"/>
               </a:rPr>
-              <a:t>- The new priority has</a:t>
-            </a:r>
-            <a:r>
-              <a:rPr sz="1080" b="1">
-                <a:solidFill>
-                  <a:srgbClr val="CC0000"/>
-                </a:solidFill>
-                <a:latin typeface="Roboto"/>
-              </a:rPr>
-              <a:t> a worse tendency</a:t>
-            </a:r>
-            <a:r>
-              <a:rPr sz="1080" b="0">
-                <a:solidFill>
-                  <a:srgbClr val="000000"/>
-                </a:solidFill>
-                <a:latin typeface="Roboto"/>
-              </a:rPr>
-              <a:t> than the old one over the last 3 months (3.42% &lt; 20.94%)
-- The last 3 months mean of the old priority is 5485.46 and the new priority is 3358.91</a:t>
+              <a:t>Example text</a:t>
             </a:r>
           </a:p>
         </p:txBody>
@@ -5473,26 +6247,7 @@
                 </a:solidFill>
                 <a:latin typeface="Roboto"/>
               </a:rPr>
-              <a:t>- The new priority has</a:t>
-            </a:r>
-            <a:r>
-              <a:rPr sz="1080" b="1">
-                <a:solidFill>
-                  <a:srgbClr val="CC0000"/>
-                </a:solidFill>
-                <a:latin typeface="Roboto"/>
-              </a:rPr>
-              <a:t> a worse tendency</a:t>
-            </a:r>
-            <a:r>
-              <a:rPr sz="1080" b="0">
-                <a:solidFill>
-                  <a:srgbClr val="000000"/>
-                </a:solidFill>
-                <a:latin typeface="Roboto"/>
-              </a:rPr>
-              <a:t> than the old one over the last 3 months (4.23% &lt; 18.37%)
-- The last 3 months mean of the old priority is 72293.4 and the new priority is 54598.76</a:t>
+              <a:t>Example text</a:t>
             </a:r>
           </a:p>
         </p:txBody>
@@ -5660,7 +6415,7 @@
                 </a:solidFill>
                 <a:latin typeface="Roboto"/>
               </a:rPr>
-              <a:t>Previous P3 vs New P2 - </a:t>
+              <a:t>Priority 2 - </a:t>
             </a:r>
           </a:p>
         </p:txBody>
@@ -5720,26 +6475,7 @@
                 </a:solidFill>
                 <a:latin typeface="Roboto"/>
               </a:rPr>
-              <a:t>- The new priority has</a:t>
-            </a:r>
-            <a:r>
-              <a:rPr sz="1080" b="1">
-                <a:solidFill>
-                  <a:srgbClr val="7FA96C"/>
-                </a:solidFill>
-                <a:latin typeface="Roboto"/>
-              </a:rPr>
-              <a:t> a better tendency</a:t>
-            </a:r>
-            <a:r>
-              <a:rPr sz="1080" b="0">
-                <a:solidFill>
-                  <a:srgbClr val="000000"/>
-                </a:solidFill>
-                <a:latin typeface="Roboto"/>
-              </a:rPr>
-              <a:t> than the old one over the last 3 months (-1.58% &gt; -60.29%)
-- The last 3 months mean of the old priority is 1.16 and the new priority is 5.1</a:t>
+              <a:t>Media de los últimos 4 meses: 16.17</a:t>
             </a:r>
           </a:p>
         </p:txBody>
@@ -5835,26 +6571,7 @@
                 </a:solidFill>
                 <a:latin typeface="Roboto"/>
               </a:rPr>
-              <a:t>- The new priority has</a:t>
-            </a:r>
-            <a:r>
-              <a:rPr sz="1080" b="1">
-                <a:solidFill>
-                  <a:srgbClr val="7FA96C"/>
-                </a:solidFill>
-                <a:latin typeface="Roboto"/>
-              </a:rPr>
-              <a:t> a better tendency</a:t>
-            </a:r>
-            <a:r>
-              <a:rPr sz="1080" b="0">
-                <a:solidFill>
-                  <a:srgbClr val="000000"/>
-                </a:solidFill>
-                <a:latin typeface="Roboto"/>
-              </a:rPr>
-              <a:t> than the old one over the last 3 months (2.81 &gt; 0.81 percentage points)
-- The last 3 months mean of the old priority is 18.83% and the new priority is 20.89%</a:t>
+              <a:t>Media de los últimos 4 meses: 0.02</a:t>
             </a:r>
           </a:p>
         </p:txBody>
@@ -5914,26 +6631,7 @@
                 </a:solidFill>
                 <a:latin typeface="Roboto"/>
               </a:rPr>
-              <a:t>- The new priority has</a:t>
-            </a:r>
-            <a:r>
-              <a:rPr sz="1080" b="1">
-                <a:solidFill>
-                  <a:srgbClr val="7FA96C"/>
-                </a:solidFill>
-                <a:latin typeface="Roboto"/>
-              </a:rPr>
-              <a:t> a better tendency</a:t>
-            </a:r>
-            <a:r>
-              <a:rPr sz="1080" b="0">
-                <a:solidFill>
-                  <a:srgbClr val="000000"/>
-                </a:solidFill>
-                <a:latin typeface="Roboto"/>
-              </a:rPr>
-              <a:t> than the old one over the last 3 months (-0.12 &gt; -0.38 percentage points)
-- The last 3 months mean of the old priority is 0.34% and the new priority is 1.26%</a:t>
+              <a:t>Example text</a:t>
             </a:r>
           </a:p>
         </p:txBody>
@@ -6033,7 +6731,7 @@
                 </a:solidFill>
                 <a:latin typeface="Roboto"/>
               </a:rPr>
-              <a:t>SERVICE</a:t>
+              <a:t>MIXED</a:t>
             </a:r>
           </a:p>
         </p:txBody>
@@ -6101,7 +6799,7 @@
                 </a:solidFill>
                 <a:latin typeface="Roboto"/>
               </a:rPr>
-              <a:t>Previous P3 vs New P2 - </a:t>
+              <a:t>Priority 2 - </a:t>
             </a:r>
           </a:p>
         </p:txBody>
@@ -6161,26 +6859,7 @@
                 </a:solidFill>
                 <a:latin typeface="Roboto"/>
               </a:rPr>
-              <a:t>- The new priority has</a:t>
-            </a:r>
-            <a:r>
-              <a:rPr sz="1080" b="1">
-                <a:solidFill>
-                  <a:srgbClr val="7FA96C"/>
-                </a:solidFill>
-                <a:latin typeface="Roboto"/>
-              </a:rPr>
-              <a:t> a better tendency</a:t>
-            </a:r>
-            <a:r>
-              <a:rPr sz="1080" b="0">
-                <a:solidFill>
-                  <a:srgbClr val="000000"/>
-                </a:solidFill>
-                <a:latin typeface="Roboto"/>
-              </a:rPr>
-              <a:t> than the old one over the last 3 months (-0.3 &lt; 2.89 percentage points)
-- The last 3 months mean of the old priority is 5.96% and the new priority is 2.2%</a:t>
+              <a:t>Media de los últimos 4 meses: 3340.25</a:t>
             </a:r>
           </a:p>
         </p:txBody>
@@ -6276,26 +6955,7 @@
                 </a:solidFill>
                 <a:latin typeface="Roboto"/>
               </a:rPr>
-              <a:t>- The new priority has</a:t>
-            </a:r>
-            <a:r>
-              <a:rPr sz="1080" b="1">
-                <a:solidFill>
-                  <a:srgbClr val="CC0000"/>
-                </a:solidFill>
-                <a:latin typeface="Roboto"/>
-              </a:rPr>
-              <a:t> a worse tendency</a:t>
-            </a:r>
-            <a:r>
-              <a:rPr sz="1080" b="0">
-                <a:solidFill>
-                  <a:srgbClr val="000000"/>
-                </a:solidFill>
-                <a:latin typeface="Roboto"/>
-              </a:rPr>
-              <a:t> than the old one over the last 3 months (0.05 &gt; -0.02 percentage points)
-- The last 3 months mean of the old priority is 2.23% and the new priority is 1.74%</a:t>
+              <a:t>Media de los últimos 4 meses: 54008.89</a:t>
             </a:r>
           </a:p>
         </p:txBody>
@@ -6355,26 +7015,7 @@
                 </a:solidFill>
                 <a:latin typeface="Roboto"/>
               </a:rPr>
-              <a:t>- The new priority has</a:t>
-            </a:r>
-            <a:r>
-              <a:rPr sz="1080" b="1">
-                <a:solidFill>
-                  <a:srgbClr val="7FA96C"/>
-                </a:solidFill>
-                <a:latin typeface="Roboto"/>
-              </a:rPr>
-              <a:t> a better tendency</a:t>
-            </a:r>
-            <a:r>
-              <a:rPr sz="1080" b="0">
-                <a:solidFill>
-                  <a:srgbClr val="000000"/>
-                </a:solidFill>
-                <a:latin typeface="Roboto"/>
-              </a:rPr>
-              <a:t> than the old one over the last 3 months (-0.13 &lt; -0.08 percentage points)
-- The last 3 months mean of the old priority is 2.67% and the new priority is 2.03%</a:t>
+              <a:t>Example text</a:t>
             </a:r>
           </a:p>
         </p:txBody>
@@ -6542,7 +7183,7 @@
                 </a:solidFill>
                 <a:latin typeface="Roboto"/>
               </a:rPr>
-              <a:t>Previous P3 vs New P2 - </a:t>
+              <a:t>Priority 2 - </a:t>
             </a:r>
           </a:p>
         </p:txBody>
@@ -6602,26 +7243,7 @@
                 </a:solidFill>
                 <a:latin typeface="Roboto"/>
               </a:rPr>
-              <a:t>- The new priority has</a:t>
-            </a:r>
-            <a:r>
-              <a:rPr sz="1080" b="1">
-                <a:solidFill>
-                  <a:srgbClr val="7FA96C"/>
-                </a:solidFill>
-                <a:latin typeface="Roboto"/>
-              </a:rPr>
-              <a:t> a better tendency</a:t>
-            </a:r>
-            <a:r>
-              <a:rPr sz="1080" b="0">
-                <a:solidFill>
-                  <a:srgbClr val="000000"/>
-                </a:solidFill>
-                <a:latin typeface="Roboto"/>
-              </a:rPr>
-              <a:t> than the old one over the last 3 months (38.03% &gt; 16.69%)
-- The last 3 months mean of the old priority is 364.23 and the new priority is 4172.62</a:t>
+              <a:t>Example text</a:t>
             </a:r>
           </a:p>
         </p:txBody>
@@ -6681,26 +7303,7 @@
                 </a:solidFill>
                 <a:latin typeface="Roboto"/>
               </a:rPr>
-              <a:t>- The new priority has</a:t>
-            </a:r>
-            <a:r>
-              <a:rPr sz="1080" b="1">
-                <a:solidFill>
-                  <a:srgbClr val="7FA96C"/>
-                </a:solidFill>
-                <a:latin typeface="Roboto"/>
-              </a:rPr>
-              <a:t> a better tendency</a:t>
-            </a:r>
-            <a:r>
-              <a:rPr sz="1080" b="0">
-                <a:solidFill>
-                  <a:srgbClr val="000000"/>
-                </a:solidFill>
-                <a:latin typeface="Roboto"/>
-              </a:rPr>
-              <a:t> than the old one over the last 3 months (35.85% &gt; -53.67%)
-- The last 3 months mean of the old priority is 422.64 and the new priority is 21248.32</a:t>
+              <a:t>Example text</a:t>
             </a:r>
           </a:p>
         </p:txBody>
@@ -6868,7 +7471,7 @@
                 </a:solidFill>
                 <a:latin typeface="Roboto"/>
               </a:rPr>
-              <a:t>Previous P4 vs New P4 - </a:t>
+              <a:t>Priority 3 - </a:t>
             </a:r>
           </a:p>
         </p:txBody>
@@ -6928,26 +7531,7 @@
                 </a:solidFill>
                 <a:latin typeface="Roboto"/>
               </a:rPr>
-              <a:t>- The new priority has</a:t>
-            </a:r>
-            <a:r>
-              <a:rPr sz="1080" b="1">
-                <a:solidFill>
-                  <a:srgbClr val="7FA96C"/>
-                </a:solidFill>
-                <a:latin typeface="Roboto"/>
-              </a:rPr>
-              <a:t> a better tendency</a:t>
-            </a:r>
-            <a:r>
-              <a:rPr sz="1080" b="0">
-                <a:solidFill>
-                  <a:srgbClr val="000000"/>
-                </a:solidFill>
-                <a:latin typeface="Roboto"/>
-              </a:rPr>
-              <a:t> than the old one over the last 3 months (-5.17% &gt; -9.84%)
-- The last 3 months mean of the old priority is 2.96 and the new priority is 3.02</a:t>
+              <a:t>Media de los últimos 4 meses: 5.09</a:t>
             </a:r>
           </a:p>
         </p:txBody>
@@ -7043,26 +7627,7 @@
                 </a:solidFill>
                 <a:latin typeface="Roboto"/>
               </a:rPr>
-              <a:t>- The new priority has</a:t>
-            </a:r>
-            <a:r>
-              <a:rPr sz="1080" b="1">
-                <a:solidFill>
-                  <a:srgbClr val="CC0000"/>
-                </a:solidFill>
-                <a:latin typeface="Roboto"/>
-              </a:rPr>
-              <a:t> a worse tendency</a:t>
-            </a:r>
-            <a:r>
-              <a:rPr sz="1080" b="0">
-                <a:solidFill>
-                  <a:srgbClr val="000000"/>
-                </a:solidFill>
-                <a:latin typeface="Roboto"/>
-              </a:rPr>
-              <a:t> than the old one over the last 3 months (-1.64 &lt; -0.57 percentage points)
-- The last 3 months mean of the old priority is 16.63% and the new priority is 15.96%</a:t>
+              <a:t>Media de los últimos 4 meses: 0.01</a:t>
             </a:r>
           </a:p>
         </p:txBody>
@@ -7122,26 +7687,7 @@
                 </a:solidFill>
                 <a:latin typeface="Roboto"/>
               </a:rPr>
-              <a:t>- The new priority has</a:t>
-            </a:r>
-            <a:r>
-              <a:rPr sz="1080" b="1">
-                <a:solidFill>
-                  <a:srgbClr val="7FA96C"/>
-                </a:solidFill>
-                <a:latin typeface="Roboto"/>
-              </a:rPr>
-              <a:t> a better tendency</a:t>
-            </a:r>
-            <a:r>
-              <a:rPr sz="1080" b="0">
-                <a:solidFill>
-                  <a:srgbClr val="000000"/>
-                </a:solidFill>
-                <a:latin typeface="Roboto"/>
-              </a:rPr>
-              <a:t> than the old one over the last 3 months (0.01 &gt; -0.03 percentage points)
-- The last 3 months mean of the old priority is 0.83% and the new priority is 0.77%</a:t>
+              <a:t>Example text</a:t>
             </a:r>
           </a:p>
         </p:txBody>
@@ -7241,7 +7787,7 @@
                 </a:solidFill>
                 <a:latin typeface="Roboto"/>
               </a:rPr>
-              <a:t>SERVICE</a:t>
+              <a:t>MIXED</a:t>
             </a:r>
           </a:p>
         </p:txBody>
@@ -7309,7 +7855,7 @@
                 </a:solidFill>
                 <a:latin typeface="Roboto"/>
               </a:rPr>
-              <a:t>Previous P4 vs New P4 - </a:t>
+              <a:t>Priority 3 - </a:t>
             </a:r>
           </a:p>
         </p:txBody>
@@ -7369,26 +7915,7 @@
                 </a:solidFill>
                 <a:latin typeface="Roboto"/>
               </a:rPr>
-              <a:t>- The new priority has</a:t>
-            </a:r>
-            <a:r>
-              <a:rPr sz="1080" b="1">
-                <a:solidFill>
-                  <a:srgbClr val="7FA96C"/>
-                </a:solidFill>
-                <a:latin typeface="Roboto"/>
-              </a:rPr>
-              <a:t> a better tendency</a:t>
-            </a:r>
-            <a:r>
-              <a:rPr sz="1080" b="0">
-                <a:solidFill>
-                  <a:srgbClr val="000000"/>
-                </a:solidFill>
-                <a:latin typeface="Roboto"/>
-              </a:rPr>
-              <a:t> than the old one over the last 3 months (0.1 &lt; 0.13 percentage points)
-- The last 3 months mean of the old priority is 3.08% and the new priority is 2.87%</a:t>
+              <a:t>Media de los últimos 4 meses: 3972.0</a:t>
             </a:r>
           </a:p>
         </p:txBody>
@@ -7484,26 +8011,7 @@
                 </a:solidFill>
                 <a:latin typeface="Roboto"/>
               </a:rPr>
-              <a:t>- The new priority has</a:t>
-            </a:r>
-            <a:r>
-              <a:rPr sz="1080" b="1">
-                <a:solidFill>
-                  <a:srgbClr val="7FA96C"/>
-                </a:solidFill>
-                <a:latin typeface="Roboto"/>
-              </a:rPr>
-              <a:t> a better tendency</a:t>
-            </a:r>
-            <a:r>
-              <a:rPr sz="1080" b="0">
-                <a:solidFill>
-                  <a:srgbClr val="000000"/>
-                </a:solidFill>
-                <a:latin typeface="Roboto"/>
-              </a:rPr>
-              <a:t> than the old one over the last 3 months (-0.01 &lt; 0.01 percentage points)
-- The last 3 months mean of the old priority is 1.86% and the new priority is 1.84%</a:t>
+              <a:t>Media de los últimos 4 meses: 20205.85</a:t>
             </a:r>
           </a:p>
         </p:txBody>
@@ -7563,26 +8071,7 @@
                 </a:solidFill>
                 <a:latin typeface="Roboto"/>
               </a:rPr>
-              <a:t>- The new priority has</a:t>
-            </a:r>
-            <a:r>
-              <a:rPr sz="1080" b="1">
-                <a:solidFill>
-                  <a:srgbClr val="CC0000"/>
-                </a:solidFill>
-                <a:latin typeface="Roboto"/>
-              </a:rPr>
-              <a:t> a worse tendency</a:t>
-            </a:r>
-            <a:r>
-              <a:rPr sz="1080" b="0">
-                <a:solidFill>
-                  <a:srgbClr val="000000"/>
-                </a:solidFill>
-                <a:latin typeface="Roboto"/>
-              </a:rPr>
-              <a:t> than the old one over the last 3 months (-0.15 &gt; -0.16 percentage points)
-- The last 3 months mean of the old priority is 2.09% and the new priority is 2.03%</a:t>
+              <a:t>Example text</a:t>
             </a:r>
           </a:p>
         </p:txBody>
@@ -7750,7 +8239,7 @@
                 </a:solidFill>
                 <a:latin typeface="Roboto"/>
               </a:rPr>
-              <a:t>Previous P4 vs New P4 - </a:t>
+              <a:t>Priority 3 - </a:t>
             </a:r>
           </a:p>
         </p:txBody>
@@ -7810,26 +8299,7 @@
                 </a:solidFill>
                 <a:latin typeface="Roboto"/>
               </a:rPr>
-              <a:t>- The new priority has</a:t>
-            </a:r>
-            <a:r>
-              <a:rPr sz="1080" b="1">
-                <a:solidFill>
-                  <a:srgbClr val="CC0000"/>
-                </a:solidFill>
-                <a:latin typeface="Roboto"/>
-              </a:rPr>
-              <a:t> a worse tendency</a:t>
-            </a:r>
-            <a:r>
-              <a:rPr sz="1080" b="0">
-                <a:solidFill>
-                  <a:srgbClr val="000000"/>
-                </a:solidFill>
-                <a:latin typeface="Roboto"/>
-              </a:rPr>
-              <a:t> than the old one over the last 3 months (-11.35% &lt; -1.81%)
-- The last 3 months mean of the old priority is 9575.73 and the new priority is 7705.07</a:t>
+              <a:t>Example text</a:t>
             </a:r>
           </a:p>
         </p:txBody>
@@ -7889,26 +8359,7 @@
                 </a:solidFill>
                 <a:latin typeface="Roboto"/>
               </a:rPr>
-              <a:t>- The new priority has</a:t>
-            </a:r>
-            <a:r>
-              <a:rPr sz="1080" b="1">
-                <a:solidFill>
-                  <a:srgbClr val="CC0000"/>
-                </a:solidFill>
-                <a:latin typeface="Roboto"/>
-              </a:rPr>
-              <a:t> a worse tendency</a:t>
-            </a:r>
-            <a:r>
-              <a:rPr sz="1080" b="0">
-                <a:solidFill>
-                  <a:srgbClr val="000000"/>
-                </a:solidFill>
-                <a:latin typeface="Roboto"/>
-              </a:rPr>
-              <a:t> than the old one over the last 3 months (-15.94% &lt; -11.47%)
-- The last 3 months mean of the old priority is 28288.95 and the new priority is 23217.4</a:t>
+              <a:t>Example text</a:t>
             </a:r>
           </a:p>
         </p:txBody>
